--- a/src/test/resources/for-shape.pptx
+++ b/src/test/resources/for-shape.pptx
@@ -10,12 +10,13 @@
   <p:sldIdLst>
     <p:sldId id="261" r:id="rId3"/>
     <p:sldId id="259" r:id="rId4"/>
-    <p:sldId id="260" r:id="rId6"/>
+    <p:sldId id="264" r:id="rId6"/>
+    <p:sldId id="260" r:id="rId7"/>
   </p:sldIdLst>
   <p:sldSz cx="12192000" cy="6858000"/>
   <p:notesSz cx="6858000" cy="9144000"/>
   <p:custDataLst>
-    <p:tags r:id="rId10"/>
+    <p:tags r:id="rId11"/>
   </p:custDataLst>
   <p:defaultTextStyle>
     <a:defPPr>
@@ -112,6 +113,22 @@
       </a:defRPr>
     </a:lvl9pPr>
   </p:defaultTextStyle>
+  <p:extLst>
+    <p:ext uri="{EFAFB233-063F-42B5-8137-9DF3F51BA10A}">
+      <p15:sldGuideLst xmlns:p15="http://schemas.microsoft.com/office/powerpoint/2012/main">
+        <p15:guide id="1" orient="horz" pos="2160" userDrawn="1">
+          <p15:clr>
+            <a:srgbClr val="A4A3A4"/>
+          </p15:clr>
+        </p15:guide>
+        <p15:guide id="2" pos="3840" userDrawn="1">
+          <p15:clr>
+            <a:srgbClr val="A4A3A4"/>
+          </p15:clr>
+        </p15:guide>
+      </p15:sldGuideLst>
+    </p:ext>
+  </p:extLst>
 </p:presentation>
 </file>
 
@@ -507,6 +524,50 @@
 </file>
 
 <file path=ppt/notesSlides/notesSlide2.xml><?xml version="1.0" encoding="utf-8"?>
+<p:notes xmlns:a="http://schemas.openxmlformats.org/drawingml/2006/main" xmlns:r="http://schemas.openxmlformats.org/officeDocument/2006/relationships" xmlns:p="http://schemas.openxmlformats.org/presentationml/2006/main">
+  <p:cSld>
+    <p:spTree>
+      <p:nvGrpSpPr>
+        <p:cNvPr id="1" name=""/>
+        <p:cNvGrpSpPr/>
+        <p:nvPr/>
+      </p:nvGrpSpPr>
+      <p:grpSpPr/>
+      <p:sp>
+        <p:nvSpPr>
+          <p:cNvPr id="2" name="幻灯片图像占位符 1"/>
+          <p:cNvSpPr/>
+          <p:nvPr>
+            <p:ph type="sldImg" idx="2"/>
+          </p:nvPr>
+        </p:nvSpPr>
+        <p:spPr/>
+      </p:sp>
+      <p:sp>
+        <p:nvSpPr>
+          <p:cNvPr id="3" name="文本占位符 2"/>
+          <p:cNvSpPr/>
+          <p:nvPr>
+            <p:ph type="body" idx="3"/>
+          </p:nvPr>
+        </p:nvSpPr>
+        <p:spPr/>
+        <p:txBody>
+          <a:bodyPr/>
+          <a:p>
+            <a:endParaRPr lang="en-US" altLang="zh-CN"/>
+          </a:p>
+        </p:txBody>
+      </p:sp>
+    </p:spTree>
+  </p:cSld>
+  <p:clrMapOvr>
+    <a:masterClrMapping/>
+  </p:clrMapOvr>
+</p:notes>
+</file>
+
+<file path=ppt/notesSlides/notesSlide3.xml><?xml version="1.0" encoding="utf-8"?>
 <p:notes xmlns:a="http://schemas.openxmlformats.org/drawingml/2006/main" xmlns:r="http://schemas.openxmlformats.org/officeDocument/2006/relationships" xmlns:p="http://schemas.openxmlformats.org/presentationml/2006/main">
   <p:cSld>
     <p:spTree>
@@ -3900,6 +3961,236 @@
         </p:nvGraphicFramePr>
         <p:xfrm>
           <a:off x="1144905" y="1107440"/>
+          <a:ext cx="10129520" cy="1143000"/>
+        </p:xfrm>
+        <a:graphic>
+          <a:graphicData uri="http://schemas.openxmlformats.org/drawingml/2006/table">
+            <a:tbl>
+              <a:tblPr firstRow="1" bandRow="1">
+                <a:tableStyleId>{93296810-A885-4BE3-A3E7-6D5BEEA58F35}</a:tableStyleId>
+              </a:tblPr>
+              <a:tblGrid>
+                <a:gridCol w="2532380"/>
+                <a:gridCol w="2532380"/>
+                <a:gridCol w="2532380"/>
+                <a:gridCol w="2532380"/>
+              </a:tblGrid>
+              <a:tr h="381000">
+                <a:tc>
+                  <a:txBody>
+                    <a:bodyPr/>
+                    <a:p>
+                      <a:pPr>
+                        <a:buNone/>
+                      </a:pPr>
+                      <a:endParaRPr lang="zh-CN" altLang="en-US"/>
+                    </a:p>
+                  </a:txBody>
+                  <a:tcPr/>
+                </a:tc>
+                <a:tc>
+                  <a:txBody>
+                    <a:bodyPr/>
+                    <a:p>
+                      <a:pPr>
+                        <a:buNone/>
+                      </a:pPr>
+                      <a:endParaRPr lang="zh-CN" altLang="en-US"/>
+                    </a:p>
+                  </a:txBody>
+                  <a:tcPr/>
+                </a:tc>
+                <a:tc>
+                  <a:txBody>
+                    <a:bodyPr/>
+                    <a:p>
+                      <a:pPr>
+                        <a:buNone/>
+                      </a:pPr>
+                      <a:endParaRPr lang="zh-CN" altLang="en-US"/>
+                    </a:p>
+                  </a:txBody>
+                  <a:tcPr/>
+                </a:tc>
+                <a:tc>
+                  <a:txBody>
+                    <a:bodyPr/>
+                    <a:p>
+                      <a:pPr>
+                        <a:buNone/>
+                      </a:pPr>
+                      <a:endParaRPr lang="zh-CN" altLang="en-US"/>
+                    </a:p>
+                  </a:txBody>
+                  <a:tcPr/>
+                </a:tc>
+              </a:tr>
+              <a:tr h="381000">
+                <a:tc>
+                  <a:txBody>
+                    <a:bodyPr/>
+                    <a:p>
+                      <a:pPr>
+                        <a:buNone/>
+                      </a:pPr>
+                      <a:endParaRPr lang="zh-CN" altLang="en-US"/>
+                    </a:p>
+                  </a:txBody>
+                  <a:tcPr/>
+                </a:tc>
+                <a:tc>
+                  <a:txBody>
+                    <a:bodyPr/>
+                    <a:p>
+                      <a:pPr>
+                        <a:buNone/>
+                      </a:pPr>
+                      <a:endParaRPr lang="zh-CN" altLang="en-US"/>
+                    </a:p>
+                  </a:txBody>
+                  <a:tcPr/>
+                </a:tc>
+                <a:tc>
+                  <a:txBody>
+                    <a:bodyPr/>
+                    <a:p>
+                      <a:pPr>
+                        <a:buNone/>
+                      </a:pPr>
+                      <a:endParaRPr lang="zh-CN" altLang="en-US"/>
+                    </a:p>
+                  </a:txBody>
+                  <a:tcPr/>
+                </a:tc>
+                <a:tc>
+                  <a:txBody>
+                    <a:bodyPr/>
+                    <a:p>
+                      <a:pPr>
+                        <a:buNone/>
+                      </a:pPr>
+                      <a:endParaRPr lang="zh-CN" altLang="en-US"/>
+                    </a:p>
+                  </a:txBody>
+                  <a:tcPr/>
+                </a:tc>
+              </a:tr>
+              <a:tr h="381000">
+                <a:tc>
+                  <a:txBody>
+                    <a:bodyPr/>
+                    <a:p>
+                      <a:pPr>
+                        <a:buNone/>
+                      </a:pPr>
+                      <a:endParaRPr lang="zh-CN" altLang="en-US"/>
+                    </a:p>
+                  </a:txBody>
+                  <a:tcPr/>
+                </a:tc>
+                <a:tc>
+                  <a:txBody>
+                    <a:bodyPr/>
+                    <a:p>
+                      <a:pPr>
+                        <a:buNone/>
+                      </a:pPr>
+                      <a:endParaRPr lang="zh-CN" altLang="en-US"/>
+                    </a:p>
+                  </a:txBody>
+                  <a:tcPr/>
+                </a:tc>
+                <a:tc>
+                  <a:txBody>
+                    <a:bodyPr/>
+                    <a:p>
+                      <a:pPr>
+                        <a:buNone/>
+                      </a:pPr>
+                      <a:endParaRPr lang="zh-CN" altLang="en-US"/>
+                    </a:p>
+                  </a:txBody>
+                  <a:tcPr/>
+                </a:tc>
+                <a:tc>
+                  <a:txBody>
+                    <a:bodyPr/>
+                    <a:p>
+                      <a:pPr>
+                        <a:buNone/>
+                      </a:pPr>
+                      <a:endParaRPr lang="zh-CN" altLang="en-US"/>
+                    </a:p>
+                  </a:txBody>
+                  <a:tcPr/>
+                </a:tc>
+              </a:tr>
+            </a:tbl>
+          </a:graphicData>
+        </a:graphic>
+      </p:graphicFrame>
+      <p:sp>
+        <p:nvSpPr>
+          <p:cNvPr id="8" name="文本框 7"/>
+          <p:cNvSpPr txBox="1"/>
+          <p:nvPr/>
+        </p:nvSpPr>
+        <p:spPr>
+          <a:xfrm>
+            <a:off x="2833370" y="603885"/>
+            <a:ext cx="4983480" cy="368300"/>
+          </a:xfrm>
+          <a:prstGeom prst="rect">
+            <a:avLst/>
+          </a:prstGeom>
+          <a:noFill/>
+        </p:spPr>
+        <p:txBody>
+          <a:bodyPr wrap="none" rtlCol="0">
+            <a:spAutoFit/>
+          </a:bodyPr>
+          <a:p>
+            <a:r>
+              <a:rPr lang="zh-CN" altLang="en-US"/>
+              <a:t>行、列不够会自动加，用最后一行、列作为模板</a:t>
+            </a:r>
+            <a:endParaRPr lang="zh-CN" altLang="en-US"/>
+          </a:p>
+        </p:txBody>
+      </p:sp>
+    </p:spTree>
+    <p:custDataLst>
+      <p:tags r:id="rId2"/>
+    </p:custDataLst>
+  </p:cSld>
+  <p:clrMapOvr>
+    <a:masterClrMapping/>
+  </p:clrMapOvr>
+</p:sld>
+</file>
+
+<file path=ppt/slides/slide4.xml><?xml version="1.0" encoding="utf-8"?>
+<p:sld xmlns:a="http://schemas.openxmlformats.org/drawingml/2006/main" xmlns:r="http://schemas.openxmlformats.org/officeDocument/2006/relationships" xmlns:p="http://schemas.openxmlformats.org/presentationml/2006/main">
+  <p:cSld>
+    <p:spTree>
+      <p:nvGrpSpPr>
+        <p:cNvPr id="1" name=""/>
+        <p:cNvGrpSpPr/>
+        <p:nvPr/>
+      </p:nvGrpSpPr>
+      <p:grpSpPr/>
+      <p:graphicFrame>
+        <p:nvGraphicFramePr>
+          <p:cNvPr id="7" name="表格 6" descr="#for = #tableA"/>
+          <p:cNvGraphicFramePr/>
+          <p:nvPr>
+            <p:custDataLst>
+              <p:tags r:id="rId1"/>
+            </p:custDataLst>
+          </p:nvPr>
+        </p:nvGraphicFramePr>
+        <p:xfrm>
+          <a:off x="1144905" y="1107440"/>
           <a:ext cx="10129520" cy="4572000"/>
         </p:xfrm>
         <a:graphic>
@@ -5380,7 +5671,17 @@
 
 <file path=ppt/tags/tag68.xml><?xml version="1.0" encoding="utf-8"?>
 <p:tagLst xmlns:p="http://schemas.openxmlformats.org/presentationml/2006/main">
-  <p:tag name="COMMONDATA" val="eyJoZGlkIjoiYjBiNDk5NDhjYTE0ZDkzNWI1ODg5ZmM3NWQwODVjMDAifQ=="/>
+  <p:tag name="KSO_WM_UNIT_TABLE_BEAUTIFY" val="smartTable{6a24a245-2789-4e4e-8240-df165fe2174b}"/>
+  <p:tag name="TABLE_ENDDRAG_ORIGIN_RECT" val="797*90"/>
+  <p:tag name="TABLE_ENDDRAG_RECT" val="100*85*797*90"/>
+</p:tagLst>
+</file>
+
+<file path=ppt/tags/tag69.xml><?xml version="1.0" encoding="utf-8"?>
+<p:tagLst xmlns:p="http://schemas.openxmlformats.org/presentationml/2006/main">
+  <p:tag name="KSO_WM_BEAUTIFY_FLAG" val="#wm#"/>
+  <p:tag name="KSO_WM_TEMPLATE_CATEGORY" val="custom"/>
+  <p:tag name="KSO_WM_TEMPLATE_INDEX" val="20205176"/>
 </p:tagLst>
 </file>
 
@@ -5394,6 +5695,13 @@
   <p:tag name="KSO_WM_UNIT_LAYERLEVEL" val="1"/>
   <p:tag name="KSO_WM_TAG_VERSION" val="1.0"/>
   <p:tag name="KSO_WM_BEAUTIFY_FLAG" val="#wm#"/>
+</p:tagLst>
+</file>
+
+<file path=ppt/tags/tag70.xml><?xml version="1.0" encoding="utf-8"?>
+<p:tagLst xmlns:p="http://schemas.openxmlformats.org/presentationml/2006/main">
+  <p:tag name="COMMONDATA" val="eyJoZGlkIjoiMTU3NzlmYjI5NWRkMWM4ZWEyMTg2ZjIzNmE0ODAwZjMifQ=="/>
+  <p:tag name="KSO_WPP_MARK_KEY" val="0603238a-29b0-4fde-ba8a-21be2b302137"/>
 </p:tagLst>
 </file>
 

--- a/src/test/resources/for-shape.pptx
+++ b/src/test/resources/for-shape.pptx
@@ -4152,7 +4152,256 @@
           <a:p>
             <a:r>
               <a:rPr lang="zh-CN" altLang="en-US"/>
-              <a:t>行、列不够会自动加，用最后一行、列作为模板</a:t>
+              <a:t>以表格为单位设置样式，新增的行也会跟随</a:t>
+            </a:r>
+            <a:r>
+              <a:rPr lang="zh-CN" altLang="en-US"/>
+              <a:t>样式</a:t>
+            </a:r>
+            <a:endParaRPr lang="zh-CN" altLang="en-US"/>
+          </a:p>
+        </p:txBody>
+      </p:sp>
+      <p:graphicFrame>
+        <p:nvGraphicFramePr>
+          <p:cNvPr id="2" name="表格 1" descr="#for = #tableA"/>
+          <p:cNvGraphicFramePr/>
+          <p:nvPr>
+            <p:custDataLst>
+              <p:tags r:id="rId2"/>
+            </p:custDataLst>
+          </p:nvPr>
+        </p:nvGraphicFramePr>
+        <p:xfrm>
+          <a:off x="1031240" y="4009390"/>
+          <a:ext cx="10129520" cy="1143000"/>
+        </p:xfrm>
+        <a:graphic>
+          <a:graphicData uri="http://schemas.openxmlformats.org/drawingml/2006/table">
+            <a:tbl>
+              <a:tblPr firstRow="1" bandRow="1">
+                <a:tableStyleId>{93296810-A885-4BE3-A3E7-6D5BEEA58F35}</a:tableStyleId>
+              </a:tblPr>
+              <a:tblGrid>
+                <a:gridCol w="2532380"/>
+                <a:gridCol w="2532380"/>
+                <a:gridCol w="2532380"/>
+                <a:gridCol w="2532380"/>
+              </a:tblGrid>
+              <a:tr h="381000">
+                <a:tc>
+                  <a:txBody>
+                    <a:bodyPr/>
+                    <a:p>
+                      <a:pPr>
+                        <a:buNone/>
+                      </a:pPr>
+                      <a:endParaRPr lang="zh-CN" altLang="en-US"/>
+                    </a:p>
+                  </a:txBody>
+                  <a:tcPr/>
+                </a:tc>
+                <a:tc>
+                  <a:txBody>
+                    <a:bodyPr/>
+                    <a:p>
+                      <a:pPr>
+                        <a:buNone/>
+                      </a:pPr>
+                      <a:endParaRPr lang="zh-CN" altLang="en-US"/>
+                    </a:p>
+                  </a:txBody>
+                  <a:tcPr/>
+                </a:tc>
+                <a:tc>
+                  <a:txBody>
+                    <a:bodyPr/>
+                    <a:p>
+                      <a:pPr>
+                        <a:buNone/>
+                      </a:pPr>
+                      <a:endParaRPr lang="zh-CN" altLang="en-US"/>
+                    </a:p>
+                  </a:txBody>
+                  <a:tcPr/>
+                </a:tc>
+                <a:tc>
+                  <a:txBody>
+                    <a:bodyPr/>
+                    <a:p>
+                      <a:pPr>
+                        <a:buNone/>
+                      </a:pPr>
+                      <a:endParaRPr lang="zh-CN" altLang="en-US"/>
+                    </a:p>
+                  </a:txBody>
+                  <a:tcPr/>
+                </a:tc>
+              </a:tr>
+              <a:tr h="381000">
+                <a:tc>
+                  <a:txBody>
+                    <a:bodyPr/>
+                    <a:p>
+                      <a:pPr>
+                        <a:buNone/>
+                      </a:pPr>
+                      <a:endParaRPr lang="zh-CN" altLang="en-US"/>
+                    </a:p>
+                  </a:txBody>
+                  <a:tcPr/>
+                </a:tc>
+                <a:tc>
+                  <a:txBody>
+                    <a:bodyPr/>
+                    <a:p>
+                      <a:pPr>
+                        <a:buNone/>
+                      </a:pPr>
+                      <a:endParaRPr lang="zh-CN" altLang="en-US"/>
+                    </a:p>
+                  </a:txBody>
+                  <a:tcPr/>
+                </a:tc>
+                <a:tc>
+                  <a:txBody>
+                    <a:bodyPr/>
+                    <a:p>
+                      <a:pPr>
+                        <a:buNone/>
+                      </a:pPr>
+                      <a:endParaRPr lang="zh-CN" altLang="en-US"/>
+                    </a:p>
+                  </a:txBody>
+                  <a:tcPr/>
+                </a:tc>
+                <a:tc>
+                  <a:txBody>
+                    <a:bodyPr/>
+                    <a:p>
+                      <a:pPr>
+                        <a:buNone/>
+                      </a:pPr>
+                      <a:endParaRPr lang="zh-CN" altLang="en-US"/>
+                    </a:p>
+                  </a:txBody>
+                  <a:tcPr/>
+                </a:tc>
+              </a:tr>
+              <a:tr h="381000">
+                <a:tc>
+                  <a:txBody>
+                    <a:bodyPr/>
+                    <a:p>
+                      <a:pPr>
+                        <a:buNone/>
+                      </a:pPr>
+                      <a:endParaRPr lang="zh-CN" altLang="en-US"/>
+                    </a:p>
+                  </a:txBody>
+                  <a:tcPr>
+                    <a:solidFill>
+                      <a:schemeClr val="accent2"/>
+                    </a:solidFill>
+                  </a:tcPr>
+                </a:tc>
+                <a:tc>
+                  <a:txBody>
+                    <a:bodyPr/>
+                    <a:p>
+                      <a:pPr>
+                        <a:buNone/>
+                      </a:pPr>
+                      <a:endParaRPr lang="zh-CN" altLang="en-US"/>
+                    </a:p>
+                  </a:txBody>
+                  <a:tcPr>
+                    <a:solidFill>
+                      <a:schemeClr val="accent2"/>
+                    </a:solidFill>
+                  </a:tcPr>
+                </a:tc>
+                <a:tc>
+                  <a:txBody>
+                    <a:bodyPr/>
+                    <a:p>
+                      <a:pPr>
+                        <a:buNone/>
+                      </a:pPr>
+                      <a:endParaRPr lang="zh-CN" altLang="en-US"/>
+                    </a:p>
+                  </a:txBody>
+                  <a:tcPr>
+                    <a:solidFill>
+                      <a:schemeClr val="accent2"/>
+                    </a:solidFill>
+                  </a:tcPr>
+                </a:tc>
+                <a:tc>
+                  <a:txBody>
+                    <a:bodyPr/>
+                    <a:p>
+                      <a:pPr>
+                        <a:buNone/>
+                      </a:pPr>
+                      <a:endParaRPr lang="zh-CN" altLang="en-US"/>
+                    </a:p>
+                  </a:txBody>
+                  <a:tcPr>
+                    <a:solidFill>
+                      <a:schemeClr val="accent2"/>
+                    </a:solidFill>
+                  </a:tcPr>
+                </a:tc>
+              </a:tr>
+            </a:tbl>
+          </a:graphicData>
+        </a:graphic>
+      </p:graphicFrame>
+      <p:sp>
+        <p:nvSpPr>
+          <p:cNvPr id="3" name="文本框 2"/>
+          <p:cNvSpPr txBox="1"/>
+          <p:nvPr>
+            <p:custDataLst>
+              <p:tags r:id="rId3"/>
+            </p:custDataLst>
+          </p:nvPr>
+        </p:nvSpPr>
+        <p:spPr>
+          <a:xfrm>
+            <a:off x="2833370" y="3531870"/>
+            <a:ext cx="4983480" cy="368300"/>
+          </a:xfrm>
+          <a:prstGeom prst="rect">
+            <a:avLst/>
+          </a:prstGeom>
+          <a:noFill/>
+        </p:spPr>
+        <p:txBody>
+          <a:bodyPr wrap="none" rtlCol="0">
+            <a:spAutoFit/>
+          </a:bodyPr>
+          <a:p>
+            <a:r>
+              <a:rPr lang="zh-CN" altLang="en-US"/>
+              <a:t>单独给单元格设置样式，新增的行</a:t>
+            </a:r>
+            <a:r>
+              <a:rPr lang="zh-CN" altLang="en-US">
+                <a:solidFill>
+                  <a:srgbClr val="FF0000"/>
+                </a:solidFill>
+              </a:rPr>
+              <a:t>不会</a:t>
+            </a:r>
+            <a:r>
+              <a:rPr lang="zh-CN" altLang="en-US"/>
+              <a:t>跟随</a:t>
+            </a:r>
+            <a:r>
+              <a:rPr lang="zh-CN" altLang="en-US"/>
+              <a:t>样式</a:t>
             </a:r>
             <a:endParaRPr lang="zh-CN" altLang="en-US"/>
           </a:p>
@@ -4160,7 +4409,7 @@
       </p:sp>
     </p:spTree>
     <p:custDataLst>
-      <p:tags r:id="rId2"/>
+      <p:tags r:id="rId4"/>
     </p:custDataLst>
   </p:cSld>
   <p:clrMapOvr>
@@ -5663,17 +5912,16 @@
 
 <file path=ppt/tags/tag67.xml><?xml version="1.0" encoding="utf-8"?>
 <p:tagLst xmlns:p="http://schemas.openxmlformats.org/presentationml/2006/main">
-  <p:tag name="KSO_WM_BEAUTIFY_FLAG" val="#wm#"/>
-  <p:tag name="KSO_WM_TEMPLATE_CATEGORY" val="custom"/>
-  <p:tag name="KSO_WM_TEMPLATE_INDEX" val="20205176"/>
-</p:tagLst>
-</file>
-
-<file path=ppt/tags/tag68.xml><?xml version="1.0" encoding="utf-8"?>
-<p:tagLst xmlns:p="http://schemas.openxmlformats.org/presentationml/2006/main">
-  <p:tag name="KSO_WM_UNIT_TABLE_BEAUTIFY" val="smartTable{6a24a245-2789-4e4e-8240-df165fe2174b}"/>
+  <p:tag name="KSO_WM_UNIT_TABLE_BEAUTIFY" val="smartTable{edbdf1b5-2a7b-40a7-9b81-92b8ccf1bee6}"/>
   <p:tag name="TABLE_ENDDRAG_ORIGIN_RECT" val="797*90"/>
   <p:tag name="TABLE_ENDDRAG_RECT" val="100*85*797*90"/>
+  <p:tag name="KSO_WM_BEAUTIFY_FLAG" val=""/>
+</p:tagLst>
+</file>
+
+<file path=ppt/tags/tag68.xml><?xml version="1.0" encoding="utf-8"?>
+<p:tagLst xmlns:p="http://schemas.openxmlformats.org/presentationml/2006/main">
+  <p:tag name="KSO_WM_BEAUTIFY_FLAG" val=""/>
 </p:tagLst>
 </file>
 
@@ -5699,6 +5947,22 @@
 </file>
 
 <file path=ppt/tags/tag70.xml><?xml version="1.0" encoding="utf-8"?>
+<p:tagLst xmlns:p="http://schemas.openxmlformats.org/presentationml/2006/main">
+  <p:tag name="KSO_WM_UNIT_TABLE_BEAUTIFY" val="smartTable{6a24a245-2789-4e4e-8240-df165fe2174b}"/>
+  <p:tag name="TABLE_ENDDRAG_ORIGIN_RECT" val="797*90"/>
+  <p:tag name="TABLE_ENDDRAG_RECT" val="100*85*797*90"/>
+</p:tagLst>
+</file>
+
+<file path=ppt/tags/tag71.xml><?xml version="1.0" encoding="utf-8"?>
+<p:tagLst xmlns:p="http://schemas.openxmlformats.org/presentationml/2006/main">
+  <p:tag name="KSO_WM_BEAUTIFY_FLAG" val="#wm#"/>
+  <p:tag name="KSO_WM_TEMPLATE_CATEGORY" val="custom"/>
+  <p:tag name="KSO_WM_TEMPLATE_INDEX" val="20205176"/>
+</p:tagLst>
+</file>
+
+<file path=ppt/tags/tag72.xml><?xml version="1.0" encoding="utf-8"?>
 <p:tagLst xmlns:p="http://schemas.openxmlformats.org/presentationml/2006/main">
   <p:tag name="COMMONDATA" val="eyJoZGlkIjoiMTU3NzlmYjI5NWRkMWM4ZWEyMTg2ZjIzNmE0ODAwZjMifQ=="/>
   <p:tag name="KSO_WPP_MARK_KEY" val="0603238a-29b0-4fde-ba8a-21be2b302137"/>

--- a/src/test/resources/for-shape.pptx
+++ b/src/test/resources/for-shape.pptx
@@ -3743,7 +3743,6 @@
                 <a:gridCol w="2532380"/>
                 <a:gridCol w="2532380"/>
                 <a:gridCol w="2532380"/>
-                <a:gridCol w="2532380"/>
               </a:tblGrid>
               <a:tr h="381000">
                 <a:tc>
@@ -3782,18 +3781,6 @@
                   </a:txBody>
                   <a:tcPr/>
                 </a:tc>
-                <a:tc>
-                  <a:txBody>
-                    <a:bodyPr/>
-                    <a:p>
-                      <a:pPr>
-                        <a:buNone/>
-                      </a:pPr>
-                      <a:endParaRPr lang="zh-CN" altLang="en-US"/>
-                    </a:p>
-                  </a:txBody>
-                  <a:tcPr/>
-                </a:tc>
               </a:tr>
               <a:tr h="381000">
                 <a:tc>
@@ -3832,32 +3819,8 @@
                   </a:txBody>
                   <a:tcPr/>
                 </a:tc>
-                <a:tc>
-                  <a:txBody>
-                    <a:bodyPr/>
-                    <a:p>
-                      <a:pPr>
-                        <a:buNone/>
-                      </a:pPr>
-                      <a:endParaRPr lang="zh-CN" altLang="en-US"/>
-                    </a:p>
-                  </a:txBody>
-                  <a:tcPr/>
-                </a:tc>
               </a:tr>
               <a:tr h="381000">
-                <a:tc>
-                  <a:txBody>
-                    <a:bodyPr/>
-                    <a:p>
-                      <a:pPr>
-                        <a:buNone/>
-                      </a:pPr>
-                      <a:endParaRPr lang="zh-CN" altLang="en-US"/>
-                    </a:p>
-                  </a:txBody>
-                  <a:tcPr/>
-                </a:tc>
                 <a:tc>
                   <a:txBody>
                     <a:bodyPr/>
@@ -5888,7 +5851,7 @@
 
 <file path=ppt/tags/tag64.xml><?xml version="1.0" encoding="utf-8"?>
 <p:tagLst xmlns:p="http://schemas.openxmlformats.org/presentationml/2006/main">
-  <p:tag name="KSO_WM_UNIT_TABLE_BEAUTIFY" val="smartTable{6a24a245-2789-4e4e-8240-df165fe2174b}"/>
+  <p:tag name="KSO_WM_UNIT_TABLE_BEAUTIFY" val="smartTable{c9dca922-ed01-4d61-92e5-b41cf64ee7dc}"/>
   <p:tag name="TABLE_ENDDRAG_ORIGIN_RECT" val="797*90"/>
   <p:tag name="TABLE_ENDDRAG_RECT" val="100*85*797*90"/>
 </p:tagLst>

--- a/src/test/resources/for-shape.pptx
+++ b/src/test/resources/for-shape.pptx
@@ -3891,9 +3891,474 @@
           </a:p>
         </p:txBody>
       </p:sp>
+      <p:graphicFrame>
+        <p:nvGraphicFramePr>
+          <p:cNvPr id="2" name="表格 1" descr="#for = #tableA"/>
+          <p:cNvGraphicFramePr/>
+          <p:nvPr>
+            <p:custDataLst>
+              <p:tags r:id="rId2"/>
+            </p:custDataLst>
+          </p:nvPr>
+        </p:nvGraphicFramePr>
+        <p:xfrm>
+          <a:off x="1144905" y="3879215"/>
+          <a:ext cx="10128250" cy="2569210"/>
+        </p:xfrm>
+        <a:graphic>
+          <a:graphicData uri="http://schemas.openxmlformats.org/drawingml/2006/table">
+            <a:tbl>
+              <a:tblPr firstRow="1" bandRow="1">
+                <a:tableStyleId>{5C22544A-7EE6-4342-B048-85BDC9FD1C3A}</a:tableStyleId>
+              </a:tblPr>
+              <a:tblGrid>
+                <a:gridCol w="2025650"/>
+                <a:gridCol w="2025650"/>
+                <a:gridCol w="2025650"/>
+                <a:gridCol w="2025650"/>
+                <a:gridCol w="2025650"/>
+              </a:tblGrid>
+              <a:tr h="367030">
+                <a:tc>
+                  <a:txBody>
+                    <a:bodyPr/>
+                    <a:p>
+                      <a:pPr>
+                        <a:buNone/>
+                      </a:pPr>
+                      <a:endParaRPr lang="zh-CN" altLang="en-US"/>
+                    </a:p>
+                  </a:txBody>
+                  <a:tcPr/>
+                </a:tc>
+                <a:tc>
+                  <a:txBody>
+                    <a:bodyPr/>
+                    <a:p>
+                      <a:pPr>
+                        <a:buNone/>
+                      </a:pPr>
+                      <a:endParaRPr lang="zh-CN" altLang="en-US"/>
+                    </a:p>
+                  </a:txBody>
+                  <a:tcPr/>
+                </a:tc>
+                <a:tc>
+                  <a:txBody>
+                    <a:bodyPr/>
+                    <a:p>
+                      <a:pPr>
+                        <a:buNone/>
+                      </a:pPr>
+                      <a:endParaRPr lang="zh-CN" altLang="en-US"/>
+                    </a:p>
+                  </a:txBody>
+                  <a:tcPr/>
+                </a:tc>
+                <a:tc>
+                  <a:txBody>
+                    <a:bodyPr/>
+                    <a:p>
+                      <a:pPr>
+                        <a:buNone/>
+                      </a:pPr>
+                      <a:endParaRPr lang="zh-CN" altLang="en-US"/>
+                    </a:p>
+                  </a:txBody>
+                  <a:tcPr/>
+                </a:tc>
+                <a:tc>
+                  <a:txBody>
+                    <a:bodyPr/>
+                    <a:p>
+                      <a:pPr>
+                        <a:buNone/>
+                      </a:pPr>
+                      <a:endParaRPr lang="zh-CN" altLang="en-US"/>
+                    </a:p>
+                  </a:txBody>
+                  <a:tcPr/>
+                </a:tc>
+              </a:tr>
+              <a:tr h="367030">
+                <a:tc>
+                  <a:txBody>
+                    <a:bodyPr/>
+                    <a:p>
+                      <a:pPr>
+                        <a:buNone/>
+                      </a:pPr>
+                      <a:endParaRPr lang="zh-CN" altLang="en-US"/>
+                    </a:p>
+                  </a:txBody>
+                  <a:tcPr/>
+                </a:tc>
+                <a:tc>
+                  <a:txBody>
+                    <a:bodyPr/>
+                    <a:p>
+                      <a:pPr>
+                        <a:buNone/>
+                      </a:pPr>
+                      <a:endParaRPr lang="zh-CN" altLang="en-US"/>
+                    </a:p>
+                  </a:txBody>
+                  <a:tcPr/>
+                </a:tc>
+                <a:tc>
+                  <a:txBody>
+                    <a:bodyPr/>
+                    <a:p>
+                      <a:pPr>
+                        <a:buNone/>
+                      </a:pPr>
+                      <a:endParaRPr lang="zh-CN" altLang="en-US"/>
+                    </a:p>
+                  </a:txBody>
+                  <a:tcPr/>
+                </a:tc>
+                <a:tc>
+                  <a:txBody>
+                    <a:bodyPr/>
+                    <a:p>
+                      <a:pPr>
+                        <a:buNone/>
+                      </a:pPr>
+                      <a:endParaRPr lang="zh-CN" altLang="en-US"/>
+                    </a:p>
+                  </a:txBody>
+                  <a:tcPr/>
+                </a:tc>
+                <a:tc>
+                  <a:txBody>
+                    <a:bodyPr/>
+                    <a:p>
+                      <a:pPr>
+                        <a:buNone/>
+                      </a:pPr>
+                      <a:endParaRPr lang="zh-CN" altLang="en-US"/>
+                    </a:p>
+                  </a:txBody>
+                  <a:tcPr/>
+                </a:tc>
+              </a:tr>
+              <a:tr h="367030">
+                <a:tc>
+                  <a:txBody>
+                    <a:bodyPr/>
+                    <a:p>
+                      <a:pPr>
+                        <a:buNone/>
+                      </a:pPr>
+                      <a:endParaRPr lang="zh-CN" altLang="en-US"/>
+                    </a:p>
+                  </a:txBody>
+                  <a:tcPr/>
+                </a:tc>
+                <a:tc>
+                  <a:txBody>
+                    <a:bodyPr/>
+                    <a:p>
+                      <a:pPr>
+                        <a:buNone/>
+                      </a:pPr>
+                      <a:endParaRPr lang="zh-CN" altLang="en-US"/>
+                    </a:p>
+                  </a:txBody>
+                  <a:tcPr/>
+                </a:tc>
+                <a:tc>
+                  <a:txBody>
+                    <a:bodyPr/>
+                    <a:p>
+                      <a:pPr>
+                        <a:buNone/>
+                      </a:pPr>
+                      <a:endParaRPr lang="zh-CN" altLang="en-US"/>
+                    </a:p>
+                  </a:txBody>
+                  <a:tcPr/>
+                </a:tc>
+                <a:tc>
+                  <a:txBody>
+                    <a:bodyPr/>
+                    <a:p>
+                      <a:pPr>
+                        <a:buNone/>
+                      </a:pPr>
+                      <a:endParaRPr lang="zh-CN" altLang="en-US"/>
+                    </a:p>
+                  </a:txBody>
+                  <a:tcPr/>
+                </a:tc>
+                <a:tc>
+                  <a:txBody>
+                    <a:bodyPr/>
+                    <a:p>
+                      <a:pPr>
+                        <a:buNone/>
+                      </a:pPr>
+                      <a:endParaRPr lang="zh-CN" altLang="en-US"/>
+                    </a:p>
+                  </a:txBody>
+                  <a:tcPr/>
+                </a:tc>
+              </a:tr>
+              <a:tr h="367030">
+                <a:tc>
+                  <a:txBody>
+                    <a:bodyPr/>
+                    <a:p>
+                      <a:pPr>
+                        <a:buNone/>
+                      </a:pPr>
+                      <a:endParaRPr lang="zh-CN" altLang="en-US"/>
+                    </a:p>
+                  </a:txBody>
+                  <a:tcPr/>
+                </a:tc>
+                <a:tc>
+                  <a:txBody>
+                    <a:bodyPr/>
+                    <a:p>
+                      <a:pPr>
+                        <a:buNone/>
+                      </a:pPr>
+                      <a:endParaRPr lang="zh-CN" altLang="en-US"/>
+                    </a:p>
+                  </a:txBody>
+                  <a:tcPr/>
+                </a:tc>
+                <a:tc>
+                  <a:txBody>
+                    <a:bodyPr/>
+                    <a:p>
+                      <a:pPr>
+                        <a:buNone/>
+                      </a:pPr>
+                      <a:endParaRPr lang="zh-CN" altLang="en-US"/>
+                    </a:p>
+                  </a:txBody>
+                  <a:tcPr/>
+                </a:tc>
+                <a:tc>
+                  <a:txBody>
+                    <a:bodyPr/>
+                    <a:p>
+                      <a:pPr>
+                        <a:buNone/>
+                      </a:pPr>
+                      <a:endParaRPr lang="zh-CN" altLang="en-US"/>
+                    </a:p>
+                  </a:txBody>
+                  <a:tcPr/>
+                </a:tc>
+                <a:tc>
+                  <a:txBody>
+                    <a:bodyPr/>
+                    <a:p>
+                      <a:pPr>
+                        <a:buNone/>
+                      </a:pPr>
+                      <a:endParaRPr lang="zh-CN" altLang="en-US"/>
+                    </a:p>
+                  </a:txBody>
+                  <a:tcPr/>
+                </a:tc>
+              </a:tr>
+              <a:tr h="367030">
+                <a:tc>
+                  <a:txBody>
+                    <a:bodyPr/>
+                    <a:p>
+                      <a:pPr>
+                        <a:buNone/>
+                      </a:pPr>
+                      <a:endParaRPr lang="zh-CN" altLang="en-US"/>
+                    </a:p>
+                  </a:txBody>
+                  <a:tcPr/>
+                </a:tc>
+                <a:tc>
+                  <a:txBody>
+                    <a:bodyPr/>
+                    <a:p>
+                      <a:pPr>
+                        <a:buNone/>
+                      </a:pPr>
+                      <a:endParaRPr lang="zh-CN" altLang="en-US"/>
+                    </a:p>
+                  </a:txBody>
+                  <a:tcPr/>
+                </a:tc>
+                <a:tc>
+                  <a:txBody>
+                    <a:bodyPr/>
+                    <a:p>
+                      <a:pPr>
+                        <a:buNone/>
+                      </a:pPr>
+                      <a:endParaRPr lang="zh-CN" altLang="en-US"/>
+                    </a:p>
+                  </a:txBody>
+                  <a:tcPr/>
+                </a:tc>
+                <a:tc>
+                  <a:txBody>
+                    <a:bodyPr/>
+                    <a:p>
+                      <a:pPr>
+                        <a:buNone/>
+                      </a:pPr>
+                      <a:endParaRPr lang="zh-CN" altLang="en-US"/>
+                    </a:p>
+                  </a:txBody>
+                  <a:tcPr/>
+                </a:tc>
+                <a:tc>
+                  <a:txBody>
+                    <a:bodyPr/>
+                    <a:p>
+                      <a:pPr>
+                        <a:buNone/>
+                      </a:pPr>
+                      <a:endParaRPr lang="zh-CN" altLang="en-US"/>
+                    </a:p>
+                  </a:txBody>
+                  <a:tcPr/>
+                </a:tc>
+              </a:tr>
+              <a:tr h="367030">
+                <a:tc>
+                  <a:txBody>
+                    <a:bodyPr/>
+                    <a:p>
+                      <a:pPr>
+                        <a:buNone/>
+                      </a:pPr>
+                      <a:endParaRPr lang="zh-CN" altLang="en-US"/>
+                    </a:p>
+                  </a:txBody>
+                  <a:tcPr/>
+                </a:tc>
+                <a:tc>
+                  <a:txBody>
+                    <a:bodyPr/>
+                    <a:p>
+                      <a:pPr>
+                        <a:buNone/>
+                      </a:pPr>
+                      <a:endParaRPr lang="zh-CN" altLang="en-US"/>
+                    </a:p>
+                  </a:txBody>
+                  <a:tcPr/>
+                </a:tc>
+                <a:tc>
+                  <a:txBody>
+                    <a:bodyPr/>
+                    <a:p>
+                      <a:pPr>
+                        <a:buNone/>
+                      </a:pPr>
+                      <a:endParaRPr lang="zh-CN" altLang="en-US"/>
+                    </a:p>
+                  </a:txBody>
+                  <a:tcPr/>
+                </a:tc>
+                <a:tc>
+                  <a:txBody>
+                    <a:bodyPr/>
+                    <a:p>
+                      <a:pPr>
+                        <a:buNone/>
+                      </a:pPr>
+                      <a:endParaRPr lang="zh-CN" altLang="en-US"/>
+                    </a:p>
+                  </a:txBody>
+                  <a:tcPr/>
+                </a:tc>
+                <a:tc>
+                  <a:txBody>
+                    <a:bodyPr/>
+                    <a:p>
+                      <a:pPr>
+                        <a:buNone/>
+                      </a:pPr>
+                      <a:endParaRPr lang="zh-CN" altLang="en-US"/>
+                    </a:p>
+                  </a:txBody>
+                  <a:tcPr/>
+                </a:tc>
+              </a:tr>
+              <a:tr h="367030">
+                <a:tc>
+                  <a:txBody>
+                    <a:bodyPr/>
+                    <a:p>
+                      <a:pPr>
+                        <a:buNone/>
+                      </a:pPr>
+                      <a:endParaRPr lang="zh-CN" altLang="en-US"/>
+                    </a:p>
+                  </a:txBody>
+                  <a:tcPr/>
+                </a:tc>
+                <a:tc>
+                  <a:txBody>
+                    <a:bodyPr/>
+                    <a:p>
+                      <a:pPr>
+                        <a:buNone/>
+                      </a:pPr>
+                      <a:endParaRPr lang="zh-CN" altLang="en-US"/>
+                    </a:p>
+                  </a:txBody>
+                  <a:tcPr/>
+                </a:tc>
+                <a:tc>
+                  <a:txBody>
+                    <a:bodyPr/>
+                    <a:p>
+                      <a:pPr>
+                        <a:buNone/>
+                      </a:pPr>
+                      <a:endParaRPr lang="zh-CN" altLang="en-US"/>
+                    </a:p>
+                  </a:txBody>
+                  <a:tcPr/>
+                </a:tc>
+                <a:tc>
+                  <a:txBody>
+                    <a:bodyPr/>
+                    <a:p>
+                      <a:pPr>
+                        <a:buNone/>
+                      </a:pPr>
+                      <a:endParaRPr lang="zh-CN" altLang="en-US"/>
+                    </a:p>
+                  </a:txBody>
+                  <a:tcPr/>
+                </a:tc>
+                <a:tc>
+                  <a:txBody>
+                    <a:bodyPr/>
+                    <a:p>
+                      <a:pPr>
+                        <a:buNone/>
+                      </a:pPr>
+                      <a:endParaRPr lang="zh-CN" altLang="en-US"/>
+                    </a:p>
+                  </a:txBody>
+                  <a:tcPr/>
+                </a:tc>
+              </a:tr>
+            </a:tbl>
+          </a:graphicData>
+        </a:graphic>
+      </p:graphicFrame>
     </p:spTree>
     <p:custDataLst>
-      <p:tags r:id="rId2"/>
+      <p:tags r:id="rId3"/>
     </p:custDataLst>
   </p:cSld>
   <p:clrMapOvr>
@@ -5851,13 +6316,22 @@
 
 <file path=ppt/tags/tag64.xml><?xml version="1.0" encoding="utf-8"?>
 <p:tagLst xmlns:p="http://schemas.openxmlformats.org/presentationml/2006/main">
-  <p:tag name="KSO_WM_UNIT_TABLE_BEAUTIFY" val="smartTable{c9dca922-ed01-4d61-92e5-b41cf64ee7dc}"/>
+  <p:tag name="KSO_WM_UNIT_TABLE_BEAUTIFY" val="smartTable{45e82913-56fb-4ea9-8fd8-95d8714751c3}"/>
   <p:tag name="TABLE_ENDDRAG_ORIGIN_RECT" val="797*90"/>
   <p:tag name="TABLE_ENDDRAG_RECT" val="100*85*797*90"/>
 </p:tagLst>
 </file>
 
 <file path=ppt/tags/tag65.xml><?xml version="1.0" encoding="utf-8"?>
+<p:tagLst xmlns:p="http://schemas.openxmlformats.org/presentationml/2006/main">
+  <p:tag name="KSO_WM_UNIT_TABLE_BEAUTIFY" val="smartTable{e6459e5e-036e-451c-b16a-9ebd44def4c2}"/>
+  <p:tag name="TABLE_ENDDRAG_ORIGIN_RECT" val="797*86"/>
+  <p:tag name="TABLE_ENDDRAG_RECT" val="90*305*797*86"/>
+  <p:tag name="KSO_WM_BEAUTIFY_FLAG" val=""/>
+</p:tagLst>
+</file>
+
+<file path=ppt/tags/tag66.xml><?xml version="1.0" encoding="utf-8"?>
 <p:tagLst xmlns:p="http://schemas.openxmlformats.org/presentationml/2006/main">
   <p:tag name="KSO_WM_BEAUTIFY_FLAG" val="#wm#"/>
   <p:tag name="KSO_WM_TEMPLATE_CATEGORY" val="custom"/>
@@ -5865,7 +6339,7 @@
 </p:tagLst>
 </file>
 
-<file path=ppt/tags/tag66.xml><?xml version="1.0" encoding="utf-8"?>
+<file path=ppt/tags/tag67.xml><?xml version="1.0" encoding="utf-8"?>
 <p:tagLst xmlns:p="http://schemas.openxmlformats.org/presentationml/2006/main">
   <p:tag name="KSO_WM_UNIT_TABLE_BEAUTIFY" val="smartTable{6a24a245-2789-4e4e-8240-df165fe2174b}"/>
   <p:tag name="TABLE_ENDDRAG_ORIGIN_RECT" val="797*90"/>
@@ -5873,7 +6347,7 @@
 </p:tagLst>
 </file>
 
-<file path=ppt/tags/tag67.xml><?xml version="1.0" encoding="utf-8"?>
+<file path=ppt/tags/tag68.xml><?xml version="1.0" encoding="utf-8"?>
 <p:tagLst xmlns:p="http://schemas.openxmlformats.org/presentationml/2006/main">
   <p:tag name="KSO_WM_UNIT_TABLE_BEAUTIFY" val="smartTable{edbdf1b5-2a7b-40a7-9b81-92b8ccf1bee6}"/>
   <p:tag name="TABLE_ENDDRAG_ORIGIN_RECT" val="797*90"/>
@@ -5882,17 +6356,9 @@
 </p:tagLst>
 </file>
 
-<file path=ppt/tags/tag68.xml><?xml version="1.0" encoding="utf-8"?>
+<file path=ppt/tags/tag69.xml><?xml version="1.0" encoding="utf-8"?>
 <p:tagLst xmlns:p="http://schemas.openxmlformats.org/presentationml/2006/main">
   <p:tag name="KSO_WM_BEAUTIFY_FLAG" val=""/>
-</p:tagLst>
-</file>
-
-<file path=ppt/tags/tag69.xml><?xml version="1.0" encoding="utf-8"?>
-<p:tagLst xmlns:p="http://schemas.openxmlformats.org/presentationml/2006/main">
-  <p:tag name="KSO_WM_BEAUTIFY_FLAG" val="#wm#"/>
-  <p:tag name="KSO_WM_TEMPLATE_CATEGORY" val="custom"/>
-  <p:tag name="KSO_WM_TEMPLATE_INDEX" val="20205176"/>
 </p:tagLst>
 </file>
 
@@ -5911,13 +6377,21 @@
 
 <file path=ppt/tags/tag70.xml><?xml version="1.0" encoding="utf-8"?>
 <p:tagLst xmlns:p="http://schemas.openxmlformats.org/presentationml/2006/main">
+  <p:tag name="KSO_WM_BEAUTIFY_FLAG" val="#wm#"/>
+  <p:tag name="KSO_WM_TEMPLATE_CATEGORY" val="custom"/>
+  <p:tag name="KSO_WM_TEMPLATE_INDEX" val="20205176"/>
+</p:tagLst>
+</file>
+
+<file path=ppt/tags/tag71.xml><?xml version="1.0" encoding="utf-8"?>
+<p:tagLst xmlns:p="http://schemas.openxmlformats.org/presentationml/2006/main">
   <p:tag name="KSO_WM_UNIT_TABLE_BEAUTIFY" val="smartTable{6a24a245-2789-4e4e-8240-df165fe2174b}"/>
   <p:tag name="TABLE_ENDDRAG_ORIGIN_RECT" val="797*90"/>
   <p:tag name="TABLE_ENDDRAG_RECT" val="100*85*797*90"/>
 </p:tagLst>
 </file>
 
-<file path=ppt/tags/tag71.xml><?xml version="1.0" encoding="utf-8"?>
+<file path=ppt/tags/tag72.xml><?xml version="1.0" encoding="utf-8"?>
 <p:tagLst xmlns:p="http://schemas.openxmlformats.org/presentationml/2006/main">
   <p:tag name="KSO_WM_BEAUTIFY_FLAG" val="#wm#"/>
   <p:tag name="KSO_WM_TEMPLATE_CATEGORY" val="custom"/>
@@ -5925,7 +6399,7 @@
 </p:tagLst>
 </file>
 
-<file path=ppt/tags/tag72.xml><?xml version="1.0" encoding="utf-8"?>
+<file path=ppt/tags/tag73.xml><?xml version="1.0" encoding="utf-8"?>
 <p:tagLst xmlns:p="http://schemas.openxmlformats.org/presentationml/2006/main">
   <p:tag name="COMMONDATA" val="eyJoZGlkIjoiMTU3NzlmYjI5NWRkMWM4ZWEyMTg2ZjIzNmE0ODAwZjMifQ=="/>
   <p:tag name="KSO_WPP_MARK_KEY" val="0603238a-29b0-4fde-ba8a-21be2b302137"/>

--- a/src/test/resources/for-shape.pptx
+++ b/src/test/resources/for-shape.pptx
@@ -4388,7 +4388,7 @@
           </p:nvPr>
         </p:nvGraphicFramePr>
         <p:xfrm>
-          <a:off x="1144905" y="1107440"/>
+          <a:off x="1087120" y="1461135"/>
           <a:ext cx="10129520" cy="1143000"/>
         </p:xfrm>
         <a:graphic>
@@ -4461,31 +4461,59 @@
                       <a:pPr>
                         <a:buNone/>
                       </a:pPr>
-                      <a:endParaRPr lang="zh-CN" altLang="en-US"/>
-                    </a:p>
-                  </a:txBody>
-                  <a:tcPr/>
-                </a:tc>
-                <a:tc>
-                  <a:txBody>
-                    <a:bodyPr/>
-                    <a:p>
-                      <a:pPr>
-                        <a:buNone/>
-                      </a:pPr>
-                      <a:endParaRPr lang="zh-CN" altLang="en-US"/>
-                    </a:p>
-                  </a:txBody>
-                  <a:tcPr/>
-                </a:tc>
-                <a:tc>
-                  <a:txBody>
-                    <a:bodyPr/>
-                    <a:p>
-                      <a:pPr>
-                        <a:buNone/>
-                      </a:pPr>
-                      <a:endParaRPr lang="zh-CN" altLang="en-US"/>
+                      <a:r>
+                        <a:rPr lang="en-US" altLang="zh-CN">
+                          <a:solidFill>
+                            <a:srgbClr val="FF0000"/>
+                          </a:solidFill>
+                        </a:rPr>
+                        <a:t>aaa</a:t>
+                      </a:r>
+                      <a:endParaRPr lang="en-US" altLang="zh-CN">
+                        <a:solidFill>
+                          <a:srgbClr val="FF0000"/>
+                        </a:solidFill>
+                      </a:endParaRPr>
+                    </a:p>
+                  </a:txBody>
+                  <a:tcPr/>
+                </a:tc>
+                <a:tc>
+                  <a:txBody>
+                    <a:bodyPr/>
+                    <a:p>
+                      <a:pPr>
+                        <a:buNone/>
+                      </a:pPr>
+                      <a:r>
+                        <a:rPr lang="en-US" altLang="zh-CN">
+                          <a:solidFill>
+                            <a:srgbClr val="FF0000"/>
+                          </a:solidFill>
+                        </a:rPr>
+                        <a:t>bbb</a:t>
+                      </a:r>
+                      <a:endParaRPr lang="en-US" altLang="zh-CN">
+                        <a:solidFill>
+                          <a:srgbClr val="FF0000"/>
+                        </a:solidFill>
+                      </a:endParaRPr>
+                    </a:p>
+                  </a:txBody>
+                  <a:tcPr/>
+                </a:tc>
+                <a:tc>
+                  <a:txBody>
+                    <a:bodyPr/>
+                    <a:p>
+                      <a:pPr>
+                        <a:buNone/>
+                      </a:pPr>
+                      <a:r>
+                        <a:rPr lang="en-US" altLang="zh-CN"/>
+                        <a:t>ccc</a:t>
+                      </a:r>
+                      <a:endParaRPr lang="en-US" altLang="zh-CN"/>
                     </a:p>
                   </a:txBody>
                   <a:tcPr/>
@@ -4565,8 +4593,8 @@
         </p:nvSpPr>
         <p:spPr>
           <a:xfrm>
-            <a:off x="2833370" y="603885"/>
-            <a:ext cx="4983480" cy="368300"/>
+            <a:off x="2732405" y="155575"/>
+            <a:ext cx="6863080" cy="1198880"/>
           </a:xfrm>
           <a:prstGeom prst="rect">
             <a:avLst/>
@@ -4584,9 +4612,70 @@
             </a:r>
             <a:r>
               <a:rPr lang="zh-CN" altLang="en-US"/>
-              <a:t>样式</a:t>
+              <a:t>样式。</a:t>
             </a:r>
             <a:endParaRPr lang="zh-CN" altLang="en-US"/>
+          </a:p>
+          <a:p>
+            <a:r>
+              <a:rPr lang="zh-CN" altLang="en-US">
+                <a:solidFill>
+                  <a:srgbClr val="FF0000"/>
+                </a:solidFill>
+              </a:rPr>
+              <a:t>但是，字体的样式会丢失。</a:t>
+            </a:r>
+            <a:endParaRPr lang="zh-CN" altLang="en-US">
+              <a:solidFill>
+                <a:srgbClr val="FF0000"/>
+              </a:solidFill>
+            </a:endParaRPr>
+          </a:p>
+          <a:p>
+            <a:r>
+              <a:rPr lang="zh-CN" altLang="en-US">
+                <a:solidFill>
+                  <a:schemeClr val="tx1"/>
+                </a:solidFill>
+              </a:rPr>
+              <a:t>如果希望保留模板的字体样式，商业用途推荐使用付费的</a:t>
+            </a:r>
+            <a:r>
+              <a:rPr lang="en-US" altLang="zh-CN">
+                <a:solidFill>
+                  <a:schemeClr val="tx1"/>
+                </a:solidFill>
+              </a:rPr>
+              <a:t>aspose</a:t>
+            </a:r>
+            <a:r>
+              <a:rPr lang="zh-CN" altLang="en-US">
+                <a:solidFill>
+                  <a:schemeClr val="tx1"/>
+                </a:solidFill>
+              </a:rPr>
+              <a:t>。</a:t>
+            </a:r>
+            <a:endParaRPr lang="zh-CN" altLang="en-US">
+              <a:solidFill>
+                <a:schemeClr val="tx1"/>
+              </a:solidFill>
+            </a:endParaRPr>
+          </a:p>
+          <a:p>
+            <a:r>
+              <a:rPr lang="zh-CN" altLang="en-US">
+                <a:solidFill>
+                  <a:schemeClr val="tx1"/>
+                </a:solidFill>
+              </a:rPr>
+              <a:t>或者用自定义函数钩子来实现</a:t>
+            </a:r>
+            <a:endParaRPr lang="zh-CN" altLang="en-US">
+              <a:solidFill>
+                <a:schemeClr val="tx1"/>
+              </a:solidFill>
+            </a:endParaRPr>
           </a:p>
         </p:txBody>
       </p:sp>
@@ -6341,7 +6430,7 @@
 
 <file path=ppt/tags/tag67.xml><?xml version="1.0" encoding="utf-8"?>
 <p:tagLst xmlns:p="http://schemas.openxmlformats.org/presentationml/2006/main">
-  <p:tag name="KSO_WM_UNIT_TABLE_BEAUTIFY" val="smartTable{6a24a245-2789-4e4e-8240-df165fe2174b}"/>
+  <p:tag name="KSO_WM_UNIT_TABLE_BEAUTIFY" val="smartTable{dfed8332-5f07-4486-8b1f-5b4d7300b465}"/>
   <p:tag name="TABLE_ENDDRAG_ORIGIN_RECT" val="797*90"/>
   <p:tag name="TABLE_ENDDRAG_RECT" val="100*85*797*90"/>
 </p:tagLst>
@@ -6349,7 +6438,7 @@
 
 <file path=ppt/tags/tag68.xml><?xml version="1.0" encoding="utf-8"?>
 <p:tagLst xmlns:p="http://schemas.openxmlformats.org/presentationml/2006/main">
-  <p:tag name="KSO_WM_UNIT_TABLE_BEAUTIFY" val="smartTable{edbdf1b5-2a7b-40a7-9b81-92b8ccf1bee6}"/>
+  <p:tag name="KSO_WM_UNIT_TABLE_BEAUTIFY" val="smartTable{84710850-79c6-4e02-9528-c8bcc587bebc}"/>
   <p:tag name="TABLE_ENDDRAG_ORIGIN_RECT" val="797*90"/>
   <p:tag name="TABLE_ENDDRAG_RECT" val="100*85*797*90"/>
   <p:tag name="KSO_WM_BEAUTIFY_FLAG" val=""/>
@@ -6403,6 +6492,7 @@
 <p:tagLst xmlns:p="http://schemas.openxmlformats.org/presentationml/2006/main">
   <p:tag name="COMMONDATA" val="eyJoZGlkIjoiMTU3NzlmYjI5NWRkMWM4ZWEyMTg2ZjIzNmE0ODAwZjMifQ=="/>
   <p:tag name="KSO_WPP_MARK_KEY" val="0603238a-29b0-4fde-ba8a-21be2b302137"/>
+  <p:tag name="commondata" val="eyJoZGlkIjoiMTgwOGRmNzYxMmJjZDhiYWY5Yjg1MWFiMTZhYmI5MDgifQ=="/>
 </p:tagLst>
 </file>
 
